--- a/Relazione/Presentazione IoT.pptx
+++ b/Relazione/Presentazione IoT.pptx
@@ -228,7 +228,7 @@
             <a:pPr rtl="0"/>
             <a:fld id="{0029CACC-1C38-41D1-95DA-9B331B943FBC}" type="datetime1">
               <a:rPr lang="it-IT" smtClean="0"/>
-              <a:t>08/07/2019</a:t>
+              <a:t>09/07/2019</a:t>
             </a:fld>
             <a:endParaRPr lang="it-IT" dirty="0"/>
           </a:p>
@@ -397,7 +397,7 @@
             <a:fld id="{3C1724DE-8C22-4DD0-B00D-D2F34D07F374}" type="datetime1">
               <a:rPr lang="it-IT" smtClean="0"/>
               <a:pPr/>
-              <a:t>08/07/2019</a:t>
+              <a:t>09/07/2019</a:t>
             </a:fld>
             <a:endParaRPr lang="it-IT" dirty="0"/>
           </a:p>
@@ -3161,7 +3161,7 @@
             <a:fld id="{924BEF41-437E-44AD-96F2-AA6321C74C9E}" type="datetime1">
               <a:rPr lang="it-IT" smtClean="0"/>
               <a:pPr/>
-              <a:t>08/07/2019</a:t>
+              <a:t>09/07/2019</a:t>
             </a:fld>
             <a:endParaRPr lang="it-IT" dirty="0"/>
           </a:p>
@@ -3364,7 +3364,7 @@
             <a:fld id="{EF3B66FF-33B7-49ED-8C4C-3A439535B7E7}" type="datetime1">
               <a:rPr lang="it-IT" smtClean="0"/>
               <a:pPr/>
-              <a:t>08/07/2019</a:t>
+              <a:t>09/07/2019</a:t>
             </a:fld>
             <a:endParaRPr lang="it-IT" dirty="0"/>
           </a:p>
@@ -3557,7 +3557,7 @@
             <a:fld id="{9F4032A6-EBA4-4103-BD10-79955652D284}" type="datetime1">
               <a:rPr lang="it-IT" smtClean="0"/>
               <a:pPr/>
-              <a:t>08/07/2019</a:t>
+              <a:t>09/07/2019</a:t>
             </a:fld>
             <a:endParaRPr lang="it-IT" dirty="0"/>
           </a:p>
@@ -5909,7 +5909,7 @@
             <a:fld id="{5F12D4B8-69ED-416E-86C5-1F8A8E952773}" type="datetime1">
               <a:rPr lang="it-IT" smtClean="0"/>
               <a:pPr/>
-              <a:t>08/07/2019</a:t>
+              <a:t>09/07/2019</a:t>
             </a:fld>
             <a:endParaRPr lang="it-IT" dirty="0"/>
           </a:p>
@@ -6372,7 +6372,7 @@
             <a:fld id="{1F6F7F1C-7A90-4330-9C10-94F917056A8D}" type="datetime1">
               <a:rPr lang="it-IT" smtClean="0"/>
               <a:pPr/>
-              <a:t>08/07/2019</a:t>
+              <a:t>09/07/2019</a:t>
             </a:fld>
             <a:endParaRPr lang="it-IT" dirty="0"/>
           </a:p>
@@ -6513,7 +6513,7 @@
             <a:fld id="{366FFFEF-82E3-467B-B2B6-92D86A69C217}" type="datetime1">
               <a:rPr lang="it-IT" smtClean="0"/>
               <a:pPr/>
-              <a:t>08/07/2019</a:t>
+              <a:t>09/07/2019</a:t>
             </a:fld>
             <a:endParaRPr lang="it-IT" dirty="0"/>
           </a:p>
@@ -8453,7 +8453,7 @@
             <a:fld id="{DFC928A1-9E1E-48FD-AB3C-09DD25247290}" type="datetime1">
               <a:rPr lang="it-IT" smtClean="0"/>
               <a:pPr/>
-              <a:t>08/07/2019</a:t>
+              <a:t>09/07/2019</a:t>
             </a:fld>
             <a:endParaRPr lang="it-IT" dirty="0"/>
           </a:p>
@@ -10715,7 +10715,7 @@
             <a:fld id="{9F1644F3-824F-48A5-8157-2BE66488F879}" type="datetime1">
               <a:rPr lang="it-IT" smtClean="0"/>
               <a:pPr/>
-              <a:t>08/07/2019</a:t>
+              <a:t>09/07/2019</a:t>
             </a:fld>
             <a:endParaRPr lang="it-IT" dirty="0"/>
           </a:p>
@@ -15015,7 +15015,7 @@
             <a:fld id="{0EC1DB59-15F9-41A6-B135-7FC3368466C4}" type="datetime1">
               <a:rPr lang="it-IT" smtClean="0"/>
               <a:pPr/>
-              <a:t>08/07/2019</a:t>
+              <a:t>09/07/2019</a:t>
             </a:fld>
             <a:endParaRPr lang="it-IT" dirty="0"/>
           </a:p>
@@ -16016,6 +16016,36 @@
           </a:p>
         </p:txBody>
       </p:sp>
+      <p:pic>
+        <p:nvPicPr>
+          <p:cNvPr id="7" name="Immagine 6" descr="Immagine che contiene interni&#10;&#10;Descrizione generata automaticamente">
+            <a:extLst>
+              <a:ext uri="{FF2B5EF4-FFF2-40B4-BE49-F238E27FC236}">
+                <a16:creationId xmlns:a16="http://schemas.microsoft.com/office/drawing/2014/main" id="{F7A93FBB-0C1C-49DA-B117-C412820A5843}"/>
+              </a:ext>
+            </a:extLst>
+          </p:cNvPr>
+          <p:cNvPicPr>
+            <a:picLocks noChangeAspect="1"/>
+          </p:cNvPicPr>
+          <p:nvPr/>
+        </p:nvPicPr>
+        <p:blipFill>
+          <a:blip r:embed="rId3"/>
+          <a:stretch>
+            <a:fillRect/>
+          </a:stretch>
+        </p:blipFill>
+        <p:spPr>
+          <a:xfrm>
+            <a:off x="4667250" y="1112823"/>
+            <a:ext cx="2857500" cy="2857500"/>
+          </a:xfrm>
+          <a:prstGeom prst="rect">
+            <a:avLst/>
+          </a:prstGeom>
+        </p:spPr>
+      </p:pic>
     </p:spTree>
     <p:extLst>
       <p:ext uri="{BB962C8B-B14F-4D97-AF65-F5344CB8AC3E}">
